--- a/관악구_인구정책_로그인.pptx
+++ b/관악구_인구정책_로그인.pptx
@@ -5,7 +5,7 @@
     <p:sldMasterId id="2147483648" r:id="rId1"/>
   </p:sldMasterIdLst>
   <p:notesMasterIdLst>
-    <p:notesMasterId r:id="rId9"/>
+    <p:notesMasterId r:id="rId10"/>
   </p:notesMasterIdLst>
   <p:sldIdLst>
     <p:sldId id="256" r:id="rId2"/>
@@ -15,6 +15,7 @@
     <p:sldId id="262" r:id="rId6"/>
     <p:sldId id="258" r:id="rId7"/>
     <p:sldId id="259" r:id="rId8"/>
+    <p:sldId id="264" r:id="rId9"/>
   </p:sldIdLst>
   <p:sldSz cx="12192000" cy="6858000"/>
   <p:notesSz cx="6858000" cy="9144000"/>
@@ -248,8 +249,11 @@
     </a:lvl9pPr>
   </p:defaultTextStyle>
   <p:extLst>
+    <p:ext uri="{EFAFB233-063F-42B5-8137-9DF3F51BA10A}">
+      <p15:sldGuideLst xmlns:p15="http://schemas.microsoft.com/office/powerpoint/2012/main"/>
+    </p:ext>
     <p:ext uri="GoogleSlidesCustomDataVersion2">
-      <go:slidesCustomData xmlns:go="http://customooxmlschemas.google.com/" xmlns:ahyp="http://schemas.microsoft.com/office/drawing/2018/hyperlinkcolor" xmlns:p15="http://schemas.microsoft.com/office/powerpoint/2012/main" xmlns:p14="http://schemas.microsoft.com/office/powerpoint/2010/main" xmlns:com="http://schemas.openxmlformats.org/drawingml/2006/compatibility" xmlns:pvml="urn:schemas-microsoft-com:office:powerpoint" xmlns:v="urn:schemas-microsoft-com:vml" xmlns:o="urn:schemas-microsoft-com:office:office" xmlns:dgm="http://schemas.openxmlformats.org/drawingml/2006/diagram" xmlns:c="http://schemas.openxmlformats.org/drawingml/2006/chart" xmlns:mv="urn:schemas-microsoft-com:mac:vml" xmlns:mc="http://schemas.openxmlformats.org/markup-compatibility/2006" xmlns="" r:id="rId10" roundtripDataSignature="AMtx7mjqv9GL9/N8layoVsC024Ie+QYoCQ=="/>
+      <go:slidesCustomData xmlns="" xmlns:mc="http://schemas.openxmlformats.org/markup-compatibility/2006" xmlns:mv="urn:schemas-microsoft-com:mac:vml" xmlns:c="http://schemas.openxmlformats.org/drawingml/2006/chart" xmlns:dgm="http://schemas.openxmlformats.org/drawingml/2006/diagram" xmlns:o="urn:schemas-microsoft-com:office:office" xmlns:v="urn:schemas-microsoft-com:vml" xmlns:pvml="urn:schemas-microsoft-com:office:powerpoint" xmlns:com="http://schemas.openxmlformats.org/drawingml/2006/compatibility" xmlns:p14="http://schemas.microsoft.com/office/powerpoint/2010/main" xmlns:p15="http://schemas.microsoft.com/office/powerpoint/2012/main" xmlns:ahyp="http://schemas.microsoft.com/office/drawing/2018/hyperlinkcolor" xmlns:go="http://customooxmlschemas.google.com/" r:id="rId11" roundtripDataSignature="AMtx7mjqv9GL9/N8layoVsC024Ie+QYoCQ=="/>
     </p:ext>
   </p:extLst>
 </p:presentation>
@@ -1105,6 +1109,133 @@
         </p:spPr>
       </p:sp>
     </p:spTree>
+  </p:cSld>
+  <p:clrMapOvr>
+    <a:masterClrMapping/>
+  </p:clrMapOvr>
+</p:notes>
+</file>
+
+<file path=ppt/notesSlides/notesSlide5.xml><?xml version="1.0" encoding="utf-8"?>
+<p:notes xmlns:a="http://schemas.openxmlformats.org/drawingml/2006/main" xmlns:r="http://schemas.openxmlformats.org/officeDocument/2006/relationships" xmlns:p="http://schemas.openxmlformats.org/presentationml/2006/main" showMasterSp="0" showMasterPhAnim="0">
+  <p:cSld>
+    <p:spTree>
+      <p:nvGrpSpPr>
+        <p:cNvPr id="1" name="Shape 100">
+          <a:extLst>
+            <a:ext uri="{FF2B5EF4-FFF2-40B4-BE49-F238E27FC236}">
+              <a16:creationId xmlns:a16="http://schemas.microsoft.com/office/drawing/2014/main" id="{1AF6DCDF-D55B-72EC-DE61-7A0DC493213C}"/>
+            </a:ext>
+          </a:extLst>
+        </p:cNvPr>
+        <p:cNvGrpSpPr/>
+        <p:nvPr/>
+      </p:nvGrpSpPr>
+      <p:grpSpPr>
+        <a:xfrm>
+          <a:off x="0" y="0"/>
+          <a:ext cx="0" cy="0"/>
+          <a:chOff x="0" y="0"/>
+          <a:chExt cx="0" cy="0"/>
+        </a:xfrm>
+      </p:grpSpPr>
+      <p:sp>
+        <p:nvSpPr>
+          <p:cNvPr id="101" name="Google Shape;101;p4:notes">
+            <a:extLst>
+              <a:ext uri="{FF2B5EF4-FFF2-40B4-BE49-F238E27FC236}">
+                <a16:creationId xmlns:a16="http://schemas.microsoft.com/office/drawing/2014/main" id="{FFA18DD4-755C-AD06-1E48-CD6480793CFC}"/>
+              </a:ext>
+            </a:extLst>
+          </p:cNvPr>
+          <p:cNvSpPr txBox="1">
+            <a:spLocks noGrp="1"/>
+          </p:cNvSpPr>
+          <p:nvPr>
+            <p:ph type="body" idx="1"/>
+          </p:nvPr>
+        </p:nvSpPr>
+        <p:spPr>
+          <a:xfrm>
+            <a:off x="685800" y="4343400"/>
+            <a:ext cx="5486400" cy="4114800"/>
+          </a:xfrm>
+          <a:prstGeom prst="rect">
+            <a:avLst/>
+          </a:prstGeom>
+        </p:spPr>
+        <p:txBody>
+          <a:bodyPr spcFirstLastPara="1" wrap="square" lIns="91425" tIns="91425" rIns="91425" bIns="91425" anchor="t" anchorCtr="0">
+            <a:noAutofit/>
+          </a:bodyPr>
+          <a:lstStyle/>
+          <a:p>
+            <a:pPr marL="0" lvl="0" indent="0" algn="l" rtl="0">
+              <a:spcBef>
+                <a:spcPts val="0"/>
+              </a:spcBef>
+              <a:spcAft>
+                <a:spcPts val="0"/>
+              </a:spcAft>
+              <a:buNone/>
+            </a:pPr>
+            <a:endParaRPr/>
+          </a:p>
+        </p:txBody>
+      </p:sp>
+      <p:sp>
+        <p:nvSpPr>
+          <p:cNvPr id="102" name="Google Shape;102;p4:notes">
+            <a:extLst>
+              <a:ext uri="{FF2B5EF4-FFF2-40B4-BE49-F238E27FC236}">
+                <a16:creationId xmlns:a16="http://schemas.microsoft.com/office/drawing/2014/main" id="{6DC7CC26-8126-2B28-089B-7A35B6E8CA9D}"/>
+              </a:ext>
+            </a:extLst>
+          </p:cNvPr>
+          <p:cNvSpPr>
+            <a:spLocks noGrp="1" noRot="1" noChangeAspect="1"/>
+          </p:cNvSpPr>
+          <p:nvPr>
+            <p:ph type="sldImg" idx="2"/>
+          </p:nvPr>
+        </p:nvSpPr>
+        <p:spPr>
+          <a:xfrm>
+            <a:off x="381000" y="685800"/>
+            <a:ext cx="6096000" cy="3429000"/>
+          </a:xfrm>
+          <a:custGeom>
+            <a:avLst/>
+            <a:gdLst/>
+            <a:ahLst/>
+            <a:cxnLst/>
+            <a:rect l="l" t="t" r="r" b="b"/>
+            <a:pathLst>
+              <a:path w="120000" h="120000" extrusionOk="0">
+                <a:moveTo>
+                  <a:pt x="0" y="0"/>
+                </a:moveTo>
+                <a:lnTo>
+                  <a:pt x="120000" y="0"/>
+                </a:lnTo>
+                <a:lnTo>
+                  <a:pt x="120000" y="120000"/>
+                </a:lnTo>
+                <a:lnTo>
+                  <a:pt x="0" y="120000"/>
+                </a:lnTo>
+                <a:close/>
+              </a:path>
+            </a:pathLst>
+          </a:custGeom>
+        </p:spPr>
+      </p:sp>
+    </p:spTree>
+    <p:extLst>
+      <p:ext uri="{BB962C8B-B14F-4D97-AF65-F5344CB8AC3E}">
+        <p14:creationId xmlns:p14="http://schemas.microsoft.com/office/powerpoint/2010/main" val="1979357143"/>
+      </p:ext>
+    </p:extLst>
   </p:cSld>
   <p:clrMapOvr>
     <a:masterClrMapping/>
@@ -11742,8 +11873,8 @@
         </p:blipFill>
         <p:spPr>
           <a:xfrm>
-            <a:off x="0" y="1644340"/>
-            <a:ext cx="12192000" cy="3569319"/>
+            <a:off x="0" y="1264095"/>
+            <a:ext cx="12192000" cy="4484855"/>
           </a:xfrm>
           <a:prstGeom prst="rect">
             <a:avLst/>
@@ -12094,7 +12225,7 @@
               <a:buNone/>
             </a:pPr>
             <a:r>
-              <a:rPr lang="ko-KR" sz="2000" b="1">
+              <a:rPr lang="ko-KR" sz="2000" b="1" dirty="0">
                 <a:solidFill>
                   <a:schemeClr val="dk1"/>
                 </a:solidFill>
@@ -12103,30 +12234,10 @@
                 <a:cs typeface="Malgun Gothic"/>
                 <a:sym typeface="Malgun Gothic"/>
               </a:rPr>
-              <a:t>1. 생활안심 IoT/AI 서비스</a:t>
+              <a:t>1. 생활안심 </a:t>
             </a:r>
-            <a:endParaRPr/>
-          </a:p>
-          <a:p>
-            <a:pPr marL="914400" marR="0" lvl="2" indent="-342900" algn="l" rtl="0">
-              <a:lnSpc>
-                <a:spcPct val="150000"/>
-              </a:lnSpc>
-              <a:spcBef>
-                <a:spcPts val="0"/>
-              </a:spcBef>
-              <a:spcAft>
-                <a:spcPts val="0"/>
-              </a:spcAft>
-              <a:buClr>
-                <a:schemeClr val="dk1"/>
-              </a:buClr>
-              <a:buSzPts val="2000"/>
-              <a:buFont typeface="Arial"/>
-              <a:buChar char="•"/>
-            </a:pPr>
             <a:r>
-              <a:rPr lang="ko-KR" sz="2000" b="0" i="0" u="none" strike="noStrike" cap="none">
+              <a:rPr lang="ko-KR" sz="2000" b="1" dirty="0" err="1">
                 <a:solidFill>
                   <a:schemeClr val="dk1"/>
                 </a:solidFill>
@@ -12135,30 +12246,10 @@
                 <a:cs typeface="Malgun Gothic"/>
                 <a:sym typeface="Malgun Gothic"/>
               </a:rPr>
-              <a:t> 스마트 도어센서, 화재·가스 감지기, 단말기 앱 연동</a:t>
+              <a:t>IoT</a:t>
             </a:r>
-            <a:endParaRPr/>
-          </a:p>
-          <a:p>
-            <a:pPr marL="914400" marR="0" lvl="2" indent="-342900" algn="l" rtl="0">
-              <a:lnSpc>
-                <a:spcPct val="150000"/>
-              </a:lnSpc>
-              <a:spcBef>
-                <a:spcPts val="0"/>
-              </a:spcBef>
-              <a:spcAft>
-                <a:spcPts val="0"/>
-              </a:spcAft>
-              <a:buClr>
-                <a:schemeClr val="dk1"/>
-              </a:buClr>
-              <a:buSzPts val="2000"/>
-              <a:buFont typeface="Arial"/>
-              <a:buChar char="•"/>
-            </a:pPr>
             <a:r>
-              <a:rPr lang="ko-KR" sz="2000" b="0" i="0" u="none" strike="noStrike" cap="none">
+              <a:rPr lang="ko-KR" sz="2000" b="1" dirty="0">
                 <a:solidFill>
                   <a:schemeClr val="dk1"/>
                 </a:solidFill>
@@ -12167,9 +12258,145 @@
                 <a:cs typeface="Malgun Gothic"/>
                 <a:sym typeface="Malgun Gothic"/>
               </a:rPr>
-              <a:t>사고 발생 시 보호자·구청 복지콜센터 자동 연동</a:t>
+              <a:t>/AI 서비스</a:t>
             </a:r>
-            <a:endParaRPr sz="2000" b="0" i="0" u="none" strike="noStrike" cap="none">
+            <a:endParaRPr dirty="0"/>
+          </a:p>
+          <a:p>
+            <a:pPr marL="914400" marR="0" lvl="2" indent="-342900" algn="l" rtl="0">
+              <a:lnSpc>
+                <a:spcPct val="150000"/>
+              </a:lnSpc>
+              <a:spcBef>
+                <a:spcPts val="0"/>
+              </a:spcBef>
+              <a:spcAft>
+                <a:spcPts val="0"/>
+              </a:spcAft>
+              <a:buClr>
+                <a:schemeClr val="dk1"/>
+              </a:buClr>
+              <a:buSzPts val="2000"/>
+              <a:buFont typeface="Arial"/>
+              <a:buChar char="•"/>
+            </a:pPr>
+            <a:r>
+              <a:rPr lang="ko-KR" sz="2000" b="0" i="0" u="none" strike="noStrike" cap="none" dirty="0">
+                <a:solidFill>
+                  <a:schemeClr val="dk1"/>
+                </a:solidFill>
+                <a:latin typeface="Malgun Gothic"/>
+                <a:ea typeface="Malgun Gothic"/>
+                <a:cs typeface="Malgun Gothic"/>
+                <a:sym typeface="Malgun Gothic"/>
+              </a:rPr>
+              <a:t> 스마트 도어센서, </a:t>
+            </a:r>
+            <a:r>
+              <a:rPr lang="ko-KR" sz="2000" b="0" i="0" u="none" strike="noStrike" cap="none" dirty="0" err="1">
+                <a:solidFill>
+                  <a:schemeClr val="dk1"/>
+                </a:solidFill>
+                <a:latin typeface="Malgun Gothic"/>
+                <a:ea typeface="Malgun Gothic"/>
+                <a:cs typeface="Malgun Gothic"/>
+                <a:sym typeface="Malgun Gothic"/>
+              </a:rPr>
+              <a:t>화재·가스</a:t>
+            </a:r>
+            <a:r>
+              <a:rPr lang="ko-KR" sz="2000" b="0" i="0" u="none" strike="noStrike" cap="none" dirty="0">
+                <a:solidFill>
+                  <a:schemeClr val="dk1"/>
+                </a:solidFill>
+                <a:latin typeface="Malgun Gothic"/>
+                <a:ea typeface="Malgun Gothic"/>
+                <a:cs typeface="Malgun Gothic"/>
+                <a:sym typeface="Malgun Gothic"/>
+              </a:rPr>
+              <a:t> 감지기, 단말기 앱 연동</a:t>
+            </a:r>
+            <a:endParaRPr dirty="0"/>
+          </a:p>
+          <a:p>
+            <a:pPr marL="914400" marR="0" lvl="2" indent="-342900" algn="l" rtl="0">
+              <a:lnSpc>
+                <a:spcPct val="150000"/>
+              </a:lnSpc>
+              <a:spcBef>
+                <a:spcPts val="0"/>
+              </a:spcBef>
+              <a:spcAft>
+                <a:spcPts val="0"/>
+              </a:spcAft>
+              <a:buClr>
+                <a:schemeClr val="dk1"/>
+              </a:buClr>
+              <a:buSzPts val="2000"/>
+              <a:buFont typeface="Arial"/>
+              <a:buChar char="•"/>
+            </a:pPr>
+            <a:r>
+              <a:rPr lang="ko-KR" sz="2000" b="0" i="0" u="none" strike="noStrike" cap="none" dirty="0">
+                <a:solidFill>
+                  <a:schemeClr val="dk1"/>
+                </a:solidFill>
+                <a:latin typeface="Malgun Gothic"/>
+                <a:ea typeface="Malgun Gothic"/>
+                <a:cs typeface="Malgun Gothic"/>
+                <a:sym typeface="Malgun Gothic"/>
+              </a:rPr>
+              <a:t>사고 발생 시 </a:t>
+            </a:r>
+            <a:r>
+              <a:rPr lang="ko-KR" sz="2000" b="0" i="0" u="none" strike="noStrike" cap="none" dirty="0" err="1">
+                <a:solidFill>
+                  <a:schemeClr val="dk1"/>
+                </a:solidFill>
+                <a:latin typeface="Malgun Gothic"/>
+                <a:ea typeface="Malgun Gothic"/>
+                <a:cs typeface="Malgun Gothic"/>
+                <a:sym typeface="Malgun Gothic"/>
+              </a:rPr>
+              <a:t>보호자·구청</a:t>
+            </a:r>
+            <a:r>
+              <a:rPr lang="ko-KR" sz="2000" b="0" i="0" u="none" strike="noStrike" cap="none" dirty="0">
+                <a:solidFill>
+                  <a:schemeClr val="dk1"/>
+                </a:solidFill>
+                <a:latin typeface="Malgun Gothic"/>
+                <a:ea typeface="Malgun Gothic"/>
+                <a:cs typeface="Malgun Gothic"/>
+                <a:sym typeface="Malgun Gothic"/>
+              </a:rPr>
+              <a:t> </a:t>
+            </a:r>
+            <a:r>
+              <a:rPr lang="ko-KR" sz="2000" b="0" i="0" u="none" strike="noStrike" cap="none" dirty="0" err="1">
+                <a:solidFill>
+                  <a:schemeClr val="dk1"/>
+                </a:solidFill>
+                <a:latin typeface="Malgun Gothic"/>
+                <a:ea typeface="Malgun Gothic"/>
+                <a:cs typeface="Malgun Gothic"/>
+                <a:sym typeface="Malgun Gothic"/>
+              </a:rPr>
+              <a:t>복지콜센터</a:t>
+            </a:r>
+            <a:r>
+              <a:rPr lang="ko-KR" sz="2000" b="0" i="0" u="none" strike="noStrike" cap="none" dirty="0">
+                <a:solidFill>
+                  <a:schemeClr val="dk1"/>
+                </a:solidFill>
+                <a:latin typeface="Malgun Gothic"/>
+                <a:ea typeface="Malgun Gothic"/>
+                <a:cs typeface="Malgun Gothic"/>
+                <a:sym typeface="Malgun Gothic"/>
+              </a:rPr>
+              <a:t> 자동 연동</a:t>
+            </a:r>
+            <a:endParaRPr sz="2000" b="0" i="0" u="none" strike="noStrike" cap="none" dirty="0">
               <a:solidFill>
                 <a:schemeClr val="dk1"/>
               </a:solidFill>
@@ -12198,7 +12425,7 @@
               <a:buChar char="•"/>
             </a:pPr>
             <a:r>
-              <a:rPr lang="ko-KR" sz="2000" b="0" i="0" u="none" strike="noStrike" cap="none">
+              <a:rPr lang="ko-KR" sz="2000" b="0" i="0" u="none" strike="noStrike" cap="none" dirty="0" err="1">
                 <a:solidFill>
                   <a:schemeClr val="dk1"/>
                 </a:solidFill>
@@ -12207,9 +12434,21 @@
                 <a:cs typeface="Malgun Gothic"/>
                 <a:sym typeface="Malgun Gothic"/>
               </a:rPr>
-              <a:t>AI를 통해 노인 말벗 서비스 </a:t>
+              <a:t>AI를</a:t>
             </a:r>
-            <a:endParaRPr sz="2000" b="0" i="0" u="none" strike="noStrike" cap="none">
+            <a:r>
+              <a:rPr lang="ko-KR" sz="2000" b="0" i="0" u="none" strike="noStrike" cap="none" dirty="0">
+                <a:solidFill>
+                  <a:schemeClr val="dk1"/>
+                </a:solidFill>
+                <a:latin typeface="Malgun Gothic"/>
+                <a:ea typeface="Malgun Gothic"/>
+                <a:cs typeface="Malgun Gothic"/>
+                <a:sym typeface="Malgun Gothic"/>
+              </a:rPr>
+              <a:t> 통해 노인 말벗 서비스 </a:t>
+            </a:r>
+            <a:endParaRPr sz="2000" b="0" i="0" u="none" strike="noStrike" cap="none" dirty="0">
               <a:solidFill>
                 <a:schemeClr val="dk1"/>
               </a:solidFill>
@@ -12238,7 +12477,7 @@
               <a:buChar char="•"/>
             </a:pPr>
             <a:r>
-              <a:rPr lang="ko-KR" sz="2000" b="0" i="0" u="none" strike="noStrike" cap="none">
+              <a:rPr lang="ko-KR" sz="2000" b="0" i="0" u="none" strike="noStrike" cap="none" dirty="0">
                 <a:solidFill>
                   <a:schemeClr val="dk1"/>
                 </a:solidFill>
@@ -12247,9 +12486,33 @@
                 <a:cs typeface="Malgun Gothic"/>
                 <a:sym typeface="Malgun Gothic"/>
               </a:rPr>
-              <a:t>청년과 노인간 Matching을 통해 유사지 지원</a:t>
+              <a:t>청년과 노인간 </a:t>
             </a:r>
-            <a:endParaRPr sz="2000" b="0" i="0" u="none" strike="noStrike" cap="none">
+            <a:r>
+              <a:rPr lang="ko-KR" sz="2000" b="0" i="0" u="none" strike="noStrike" cap="none" dirty="0" err="1">
+                <a:solidFill>
+                  <a:schemeClr val="dk1"/>
+                </a:solidFill>
+                <a:latin typeface="Malgun Gothic"/>
+                <a:ea typeface="Malgun Gothic"/>
+                <a:cs typeface="Malgun Gothic"/>
+                <a:sym typeface="Malgun Gothic"/>
+              </a:rPr>
+              <a:t>Matching을</a:t>
+            </a:r>
+            <a:r>
+              <a:rPr lang="ko-KR" sz="2000" b="0" i="0" u="none" strike="noStrike" cap="none" dirty="0">
+                <a:solidFill>
+                  <a:schemeClr val="dk1"/>
+                </a:solidFill>
+                <a:latin typeface="Malgun Gothic"/>
+                <a:ea typeface="Malgun Gothic"/>
+                <a:cs typeface="Malgun Gothic"/>
+                <a:sym typeface="Malgun Gothic"/>
+              </a:rPr>
+              <a:t> 통해 유사지 지원</a:t>
+            </a:r>
+            <a:endParaRPr sz="2000" b="0" i="0" u="none" strike="noStrike" cap="none" dirty="0">
               <a:solidFill>
                 <a:schemeClr val="dk1"/>
               </a:solidFill>
@@ -12277,7 +12540,7 @@
               <a:buFont typeface="Arial"/>
               <a:buNone/>
             </a:pPr>
-            <a:endParaRPr sz="2000" b="0" i="0" u="none" strike="noStrike" cap="none">
+            <a:endParaRPr sz="2000" b="0" i="0" u="none" strike="noStrike" cap="none" dirty="0">
               <a:solidFill>
                 <a:schemeClr val="dk1"/>
               </a:solidFill>
@@ -12306,7 +12569,7 @@
               <a:buNone/>
             </a:pPr>
             <a:r>
-              <a:rPr lang="ko-KR" sz="2000" b="1">
+              <a:rPr lang="ko-KR" sz="2000" b="1" dirty="0">
                 <a:solidFill>
                   <a:schemeClr val="dk1"/>
                 </a:solidFill>
@@ -12317,7 +12580,7 @@
               </a:rPr>
               <a:t>2. 공공 냉장고 (반찬 공유)</a:t>
             </a:r>
-            <a:endParaRPr/>
+            <a:endParaRPr dirty="0"/>
           </a:p>
           <a:p>
             <a:pPr marL="914400" marR="0" lvl="2" indent="-342900" algn="l" rtl="0">
@@ -12338,7 +12601,7 @@
               <a:buChar char="•"/>
             </a:pPr>
             <a:r>
-              <a:rPr lang="ko-KR" sz="2000" b="0" i="0" u="none" strike="noStrike" cap="none">
+              <a:rPr lang="ko-KR" sz="2000" b="0" i="0" u="none" strike="noStrike" cap="none" dirty="0">
                 <a:solidFill>
                   <a:schemeClr val="dk1"/>
                 </a:solidFill>
@@ -12349,7 +12612,7 @@
               </a:rPr>
               <a:t>1인 가구 밀집 지역에 설치 (일인가구가 많은 지역)</a:t>
             </a:r>
-            <a:endParaRPr sz="2000" b="0" i="0" u="none" strike="noStrike" cap="none">
+            <a:endParaRPr sz="2000" b="0" i="0" u="none" strike="noStrike" cap="none" dirty="0">
               <a:solidFill>
                 <a:schemeClr val="dk1"/>
               </a:solidFill>
@@ -12378,7 +12641,7 @@
               <a:buChar char="•"/>
             </a:pPr>
             <a:r>
-              <a:rPr lang="ko-KR" sz="2000" b="0" i="0" u="none" strike="noStrike" cap="none">
+              <a:rPr lang="ko-KR" sz="2000" b="0" i="0" u="none" strike="noStrike" cap="none" dirty="0">
                 <a:solidFill>
                   <a:schemeClr val="dk1"/>
                 </a:solidFill>
@@ -12389,7 +12652,7 @@
               </a:rPr>
               <a:t>일인가구의 남는 음식을 공유하고, 일인가구 또는 저소득 계층에서 사용</a:t>
             </a:r>
-            <a:endParaRPr sz="2000" b="0" i="0" u="none" strike="noStrike" cap="none">
+            <a:endParaRPr sz="2000" b="0" i="0" u="none" strike="noStrike" cap="none" dirty="0">
               <a:solidFill>
                 <a:schemeClr val="dk1"/>
               </a:solidFill>
@@ -12413,7 +12676,7 @@
               <a:buNone/>
             </a:pPr>
             <a:r>
-              <a:rPr lang="ko-KR" sz="2000" b="0" i="0" u="none" strike="noStrike" cap="none">
+              <a:rPr lang="ko-KR" sz="2000" b="0" i="0" u="none" strike="noStrike" cap="none" dirty="0">
                 <a:solidFill>
                   <a:schemeClr val="dk1"/>
                 </a:solidFill>
@@ -12422,9 +12685,81 @@
                 <a:cs typeface="Malgun Gothic"/>
                 <a:sym typeface="Malgun Gothic"/>
               </a:rPr>
-              <a:t>*  일인가구가 많은 대학동, 청룡동, 서림동에 우선 진행 </a:t>
+              <a:t>*  일인가구가 많은 </a:t>
             </a:r>
-            <a:endParaRPr sz="2000" b="0" i="0" u="none" strike="noStrike" cap="none">
+            <a:r>
+              <a:rPr lang="ko-KR" sz="2000" b="0" i="0" u="none" strike="noStrike" cap="none" dirty="0" err="1">
+                <a:solidFill>
+                  <a:schemeClr val="dk1"/>
+                </a:solidFill>
+                <a:latin typeface="Malgun Gothic"/>
+                <a:ea typeface="Malgun Gothic"/>
+                <a:cs typeface="Malgun Gothic"/>
+                <a:sym typeface="Malgun Gothic"/>
+              </a:rPr>
+              <a:t>대학동</a:t>
+            </a:r>
+            <a:r>
+              <a:rPr lang="ko-KR" sz="2000" b="0" i="0" u="none" strike="noStrike" cap="none" dirty="0">
+                <a:solidFill>
+                  <a:schemeClr val="dk1"/>
+                </a:solidFill>
+                <a:latin typeface="Malgun Gothic"/>
+                <a:ea typeface="Malgun Gothic"/>
+                <a:cs typeface="Malgun Gothic"/>
+                <a:sym typeface="Malgun Gothic"/>
+              </a:rPr>
+              <a:t>, </a:t>
+            </a:r>
+            <a:r>
+              <a:rPr lang="ko-KR" sz="2000" b="0" i="0" u="none" strike="noStrike" cap="none" dirty="0" err="1">
+                <a:solidFill>
+                  <a:schemeClr val="dk1"/>
+                </a:solidFill>
+                <a:latin typeface="Malgun Gothic"/>
+                <a:ea typeface="Malgun Gothic"/>
+                <a:cs typeface="Malgun Gothic"/>
+                <a:sym typeface="Malgun Gothic"/>
+              </a:rPr>
+              <a:t>청룡동</a:t>
+            </a:r>
+            <a:r>
+              <a:rPr lang="ko-KR" sz="2000" b="0" i="0" u="none" strike="noStrike" cap="none" dirty="0">
+                <a:solidFill>
+                  <a:schemeClr val="dk1"/>
+                </a:solidFill>
+                <a:latin typeface="Malgun Gothic"/>
+                <a:ea typeface="Malgun Gothic"/>
+                <a:cs typeface="Malgun Gothic"/>
+                <a:sym typeface="Malgun Gothic"/>
+              </a:rPr>
+              <a:t>, </a:t>
+            </a:r>
+            <a:r>
+              <a:rPr lang="ko-KR" sz="2000" b="0" i="0" u="none" strike="noStrike" cap="none" dirty="0" err="1">
+                <a:solidFill>
+                  <a:schemeClr val="dk1"/>
+                </a:solidFill>
+                <a:latin typeface="Malgun Gothic"/>
+                <a:ea typeface="Malgun Gothic"/>
+                <a:cs typeface="Malgun Gothic"/>
+                <a:sym typeface="Malgun Gothic"/>
+              </a:rPr>
+              <a:t>서림동에</a:t>
+            </a:r>
+            <a:r>
+              <a:rPr lang="ko-KR" sz="2000" b="0" i="0" u="none" strike="noStrike" cap="none" dirty="0">
+                <a:solidFill>
+                  <a:schemeClr val="dk1"/>
+                </a:solidFill>
+                <a:latin typeface="Malgun Gothic"/>
+                <a:ea typeface="Malgun Gothic"/>
+                <a:cs typeface="Malgun Gothic"/>
+                <a:sym typeface="Malgun Gothic"/>
+              </a:rPr>
+              <a:t> 우선 진행 </a:t>
+            </a:r>
+            <a:endParaRPr sz="2000" b="0" i="0" u="none" strike="noStrike" cap="none" dirty="0">
               <a:solidFill>
                 <a:schemeClr val="dk1"/>
               </a:solidFill>
@@ -12437,6 +12772,715 @@
         </p:txBody>
       </p:sp>
     </p:spTree>
+  </p:cSld>
+  <p:clrMapOvr>
+    <a:masterClrMapping/>
+  </p:clrMapOvr>
+</p:sld>
+</file>
+
+<file path=ppt/slides/slide8.xml><?xml version="1.0" encoding="utf-8"?>
+<p:sld xmlns:a="http://schemas.openxmlformats.org/drawingml/2006/main" xmlns:r="http://schemas.openxmlformats.org/officeDocument/2006/relationships" xmlns:p="http://schemas.openxmlformats.org/presentationml/2006/main">
+  <p:cSld>
+    <p:spTree>
+      <p:nvGrpSpPr>
+        <p:cNvPr id="1" name="Shape 103">
+          <a:extLst>
+            <a:ext uri="{FF2B5EF4-FFF2-40B4-BE49-F238E27FC236}">
+              <a16:creationId xmlns:a16="http://schemas.microsoft.com/office/drawing/2014/main" id="{C4EA81DA-4506-955C-05EF-CD4D7A5DF2F9}"/>
+            </a:ext>
+          </a:extLst>
+        </p:cNvPr>
+        <p:cNvGrpSpPr/>
+        <p:nvPr/>
+      </p:nvGrpSpPr>
+      <p:grpSpPr>
+        <a:xfrm>
+          <a:off x="0" y="0"/>
+          <a:ext cx="0" cy="0"/>
+          <a:chOff x="0" y="0"/>
+          <a:chExt cx="0" cy="0"/>
+        </a:xfrm>
+      </p:grpSpPr>
+      <p:sp>
+        <p:nvSpPr>
+          <p:cNvPr id="104" name="Google Shape;104;p4">
+            <a:extLst>
+              <a:ext uri="{FF2B5EF4-FFF2-40B4-BE49-F238E27FC236}">
+                <a16:creationId xmlns:a16="http://schemas.microsoft.com/office/drawing/2014/main" id="{1A2EBB82-7D4B-92D9-DC02-4BAE5BE87ABC}"/>
+              </a:ext>
+            </a:extLst>
+          </p:cNvPr>
+          <p:cNvSpPr txBox="1"/>
+          <p:nvPr/>
+        </p:nvSpPr>
+        <p:spPr>
+          <a:xfrm>
+            <a:off x="434237" y="398351"/>
+            <a:ext cx="2031325" cy="646331"/>
+          </a:xfrm>
+          <a:prstGeom prst="rect">
+            <a:avLst/>
+          </a:prstGeom>
+          <a:noFill/>
+          <a:ln>
+            <a:noFill/>
+          </a:ln>
+        </p:spPr>
+        <p:txBody>
+          <a:bodyPr spcFirstLastPara="1" wrap="square" lIns="91425" tIns="45700" rIns="91425" bIns="45700" anchor="t" anchorCtr="0">
+            <a:spAutoFit/>
+          </a:bodyPr>
+          <a:lstStyle/>
+          <a:p>
+            <a:pPr marL="0" marR="0" lvl="0" indent="0" algn="l" rtl="0">
+              <a:spcBef>
+                <a:spcPts val="0"/>
+              </a:spcBef>
+              <a:spcAft>
+                <a:spcPts val="0"/>
+              </a:spcAft>
+              <a:buNone/>
+            </a:pPr>
+            <a:r>
+              <a:rPr lang="ko-KR" sz="3600">
+                <a:solidFill>
+                  <a:schemeClr val="dk1"/>
+                </a:solidFill>
+                <a:latin typeface="Malgun Gothic"/>
+                <a:ea typeface="Malgun Gothic"/>
+                <a:cs typeface="Malgun Gothic"/>
+                <a:sym typeface="Malgun Gothic"/>
+              </a:rPr>
+              <a:t>정책제안</a:t>
+            </a:r>
+            <a:endParaRPr/>
+          </a:p>
+        </p:txBody>
+      </p:sp>
+      <p:sp>
+        <p:nvSpPr>
+          <p:cNvPr id="105" name="Google Shape;105;p4">
+            <a:extLst>
+              <a:ext uri="{FF2B5EF4-FFF2-40B4-BE49-F238E27FC236}">
+                <a16:creationId xmlns:a16="http://schemas.microsoft.com/office/drawing/2014/main" id="{7FC386B4-F09D-3A70-FC9B-B55D7F228931}"/>
+              </a:ext>
+            </a:extLst>
+          </p:cNvPr>
+          <p:cNvSpPr txBox="1"/>
+          <p:nvPr/>
+        </p:nvSpPr>
+        <p:spPr>
+          <a:xfrm>
+            <a:off x="673759" y="1044682"/>
+            <a:ext cx="9320180" cy="553957"/>
+          </a:xfrm>
+          <a:prstGeom prst="rect">
+            <a:avLst/>
+          </a:prstGeom>
+          <a:noFill/>
+          <a:ln>
+            <a:noFill/>
+          </a:ln>
+        </p:spPr>
+        <p:txBody>
+          <a:bodyPr spcFirstLastPara="1" wrap="square" lIns="91425" tIns="45700" rIns="91425" bIns="45700" anchor="t" anchorCtr="0">
+            <a:spAutoFit/>
+          </a:bodyPr>
+          <a:lstStyle/>
+          <a:p>
+            <a:pPr marL="0" marR="0" lvl="0" indent="0" algn="l" rtl="0">
+              <a:lnSpc>
+                <a:spcPct val="150000"/>
+              </a:lnSpc>
+              <a:spcBef>
+                <a:spcPts val="0"/>
+              </a:spcBef>
+              <a:spcAft>
+                <a:spcPts val="0"/>
+              </a:spcAft>
+              <a:buClr>
+                <a:schemeClr val="dk1"/>
+              </a:buClr>
+              <a:buSzPts val="2000"/>
+              <a:buFont typeface="Malgun Gothic"/>
+              <a:buNone/>
+            </a:pPr>
+            <a:r>
+              <a:rPr lang="ko-KR" altLang="en-US" sz="2000" b="1" dirty="0">
+                <a:solidFill>
+                  <a:schemeClr val="dk1"/>
+                </a:solidFill>
+                <a:latin typeface="Malgun Gothic"/>
+                <a:ea typeface="Malgun Gothic"/>
+                <a:sym typeface="Malgun Gothic"/>
+              </a:rPr>
+              <a:t>노인인구 </a:t>
+            </a:r>
+            <a:r>
+              <a:rPr lang="ko-KR" altLang="en-US" sz="2000" b="1" dirty="0" err="1">
+                <a:solidFill>
+                  <a:schemeClr val="dk1"/>
+                </a:solidFill>
+                <a:latin typeface="Malgun Gothic"/>
+                <a:ea typeface="Malgun Gothic"/>
+                <a:sym typeface="Malgun Gothic"/>
+              </a:rPr>
+              <a:t>돌봄서비스</a:t>
+            </a:r>
+            <a:endParaRPr lang="en-US" altLang="ko-KR" sz="2000" b="1" dirty="0">
+              <a:solidFill>
+                <a:schemeClr val="dk1"/>
+              </a:solidFill>
+              <a:latin typeface="Malgun Gothic"/>
+              <a:ea typeface="Malgun Gothic"/>
+              <a:sym typeface="Malgun Gothic"/>
+            </a:endParaRPr>
+          </a:p>
+        </p:txBody>
+      </p:sp>
+      <p:graphicFrame>
+        <p:nvGraphicFramePr>
+          <p:cNvPr id="5" name="표 4">
+            <a:extLst>
+              <a:ext uri="{FF2B5EF4-FFF2-40B4-BE49-F238E27FC236}">
+                <a16:creationId xmlns:a16="http://schemas.microsoft.com/office/drawing/2014/main" id="{B7D7AA5B-5377-6070-761D-B7DE4827A201}"/>
+              </a:ext>
+            </a:extLst>
+          </p:cNvPr>
+          <p:cNvGraphicFramePr>
+            <a:graphicFrameLocks noGrp="1"/>
+          </p:cNvGraphicFramePr>
+          <p:nvPr>
+            <p:extLst>
+              <p:ext uri="{D42A27DB-BD31-4B8C-83A1-F6EECF244321}">
+                <p14:modId xmlns:p14="http://schemas.microsoft.com/office/powerpoint/2010/main" val="3505028688"/>
+              </p:ext>
+            </p:extLst>
+          </p:nvPr>
+        </p:nvGraphicFramePr>
+        <p:xfrm>
+          <a:off x="774801" y="1637036"/>
+          <a:ext cx="10508050" cy="1554480"/>
+        </p:xfrm>
+        <a:graphic>
+          <a:graphicData uri="http://schemas.openxmlformats.org/drawingml/2006/table">
+            <a:tbl>
+              <a:tblPr firstRow="1" bandRow="1">
+                <a:tableStyleId>{5C22544A-7EE6-4342-B048-85BDC9FD1C3A}</a:tableStyleId>
+              </a:tblPr>
+              <a:tblGrid>
+                <a:gridCol w="4853737">
+                  <a:extLst>
+                    <a:ext uri="{9D8B030D-6E8A-4147-A177-3AD203B41FA5}">
+                      <a16:colId xmlns:a16="http://schemas.microsoft.com/office/drawing/2014/main" val="4221612885"/>
+                    </a:ext>
+                  </a:extLst>
+                </a:gridCol>
+                <a:gridCol w="5654313">
+                  <a:extLst>
+                    <a:ext uri="{9D8B030D-6E8A-4147-A177-3AD203B41FA5}">
+                      <a16:colId xmlns:a16="http://schemas.microsoft.com/office/drawing/2014/main" val="3922073253"/>
+                    </a:ext>
+                  </a:extLst>
+                </a:gridCol>
+              </a:tblGrid>
+              <a:tr h="370840">
+                <a:tc>
+                  <a:txBody>
+                    <a:bodyPr/>
+                    <a:lstStyle/>
+                    <a:p>
+                      <a:pPr latinLnBrk="1"/>
+                      <a:r>
+                        <a:rPr lang="ko-KR" altLang="en-US" dirty="0"/>
+                        <a:t>구분</a:t>
+                      </a:r>
+                    </a:p>
+                  </a:txBody>
+                  <a:tcPr/>
+                </a:tc>
+                <a:tc>
+                  <a:txBody>
+                    <a:bodyPr/>
+                    <a:lstStyle/>
+                    <a:p>
+                      <a:pPr marL="0" marR="0" lvl="0" indent="0" algn="l" defTabSz="914400" rtl="0" eaLnBrk="1" fontAlgn="auto" latinLnBrk="1" hangingPunct="1">
+                        <a:lnSpc>
+                          <a:spcPct val="100000"/>
+                        </a:lnSpc>
+                        <a:spcBef>
+                          <a:spcPts val="0"/>
+                        </a:spcBef>
+                        <a:spcAft>
+                          <a:spcPts val="0"/>
+                        </a:spcAft>
+                        <a:buClr>
+                          <a:srgbClr val="000000"/>
+                        </a:buClr>
+                        <a:buSzTx/>
+                        <a:buFont typeface="Arial"/>
+                        <a:buNone/>
+                        <a:tabLst/>
+                        <a:defRPr/>
+                      </a:pPr>
+                      <a:r>
+                        <a:rPr lang="ko-KR" altLang="en-US" dirty="0"/>
+                        <a:t>대상지역</a:t>
+                      </a:r>
+                    </a:p>
+                    <a:p>
+                      <a:pPr latinLnBrk="1"/>
+                      <a:endParaRPr lang="ko-KR" altLang="en-US" dirty="0"/>
+                    </a:p>
+                  </a:txBody>
+                  <a:tcPr/>
+                </a:tc>
+                <a:extLst>
+                  <a:ext uri="{0D108BD9-81ED-4DB2-BD59-A6C34878D82A}">
+                    <a16:rowId xmlns:a16="http://schemas.microsoft.com/office/drawing/2014/main" val="428810621"/>
+                  </a:ext>
+                </a:extLst>
+              </a:tr>
+              <a:tr h="359727">
+                <a:tc>
+                  <a:txBody>
+                    <a:bodyPr/>
+                    <a:lstStyle/>
+                    <a:p>
+                      <a:pPr marL="0" marR="0" lvl="0" indent="0" algn="l" defTabSz="914400" rtl="0" eaLnBrk="1" fontAlgn="auto" latinLnBrk="1" hangingPunct="1">
+                        <a:lnSpc>
+                          <a:spcPct val="100000"/>
+                        </a:lnSpc>
+                        <a:spcBef>
+                          <a:spcPts val="0"/>
+                        </a:spcBef>
+                        <a:spcAft>
+                          <a:spcPts val="0"/>
+                        </a:spcAft>
+                        <a:buClr>
+                          <a:srgbClr val="000000"/>
+                        </a:buClr>
+                        <a:buSzTx/>
+                        <a:buFont typeface="Arial"/>
+                        <a:buNone/>
+                        <a:tabLst/>
+                        <a:defRPr/>
+                      </a:pPr>
+                      <a:r>
+                        <a:rPr lang="ko-KR" altLang="en-US" sz="1400" b="0" i="0" u="none" strike="noStrike" cap="none" dirty="0">
+                          <a:solidFill>
+                            <a:schemeClr val="dk1"/>
+                          </a:solidFill>
+                          <a:latin typeface="Malgun Gothic"/>
+                          <a:ea typeface="Malgun Gothic"/>
+                          <a:cs typeface="Malgun Gothic"/>
+                          <a:sym typeface="Malgun Gothic"/>
+                        </a:rPr>
+                        <a:t>일인가구와 노인간 </a:t>
+                      </a:r>
+                      <a:r>
+                        <a:rPr lang="en-US" altLang="ko-KR" sz="1400" b="0" i="0" u="none" strike="noStrike" cap="none" dirty="0">
+                          <a:solidFill>
+                            <a:schemeClr val="dk1"/>
+                          </a:solidFill>
+                          <a:latin typeface="Malgun Gothic"/>
+                          <a:ea typeface="Malgun Gothic"/>
+                          <a:cs typeface="Malgun Gothic"/>
+                          <a:sym typeface="Malgun Gothic"/>
+                        </a:rPr>
+                        <a:t>Matching</a:t>
+                      </a:r>
+                      <a:r>
+                        <a:rPr lang="ko-KR" altLang="en-US" sz="1400" b="0" i="0" u="none" strike="noStrike" cap="none" dirty="0">
+                          <a:solidFill>
+                            <a:schemeClr val="dk1"/>
+                          </a:solidFill>
+                          <a:latin typeface="Malgun Gothic"/>
+                          <a:ea typeface="Malgun Gothic"/>
+                          <a:cs typeface="Malgun Gothic"/>
+                          <a:sym typeface="Malgun Gothic"/>
+                        </a:rPr>
+                        <a:t>을 통해 유사지 지원</a:t>
+                      </a:r>
+                    </a:p>
+                  </a:txBody>
+                  <a:tcPr/>
+                </a:tc>
+                <a:tc>
+                  <a:txBody>
+                    <a:bodyPr/>
+                    <a:lstStyle/>
+                    <a:p>
+                      <a:pPr latinLnBrk="1"/>
+                      <a:r>
+                        <a:rPr lang="ko-KR" altLang="en-US" sz="1400" dirty="0" err="1"/>
+                        <a:t>대학동</a:t>
+                      </a:r>
+                      <a:r>
+                        <a:rPr lang="en-US" altLang="ko-KR" sz="1400" dirty="0"/>
+                        <a:t>, </a:t>
+                      </a:r>
+                      <a:r>
+                        <a:rPr lang="ko-KR" altLang="en-US" sz="1400" dirty="0" err="1"/>
+                        <a:t>청룡동</a:t>
+                      </a:r>
+                      <a:r>
+                        <a:rPr lang="en-US" altLang="ko-KR" sz="1400" dirty="0"/>
+                        <a:t>, </a:t>
+                      </a:r>
+                      <a:r>
+                        <a:rPr lang="ko-KR" altLang="en-US" sz="1400" dirty="0" err="1"/>
+                        <a:t>서림동</a:t>
+                      </a:r>
+                      <a:r>
+                        <a:rPr lang="en-US" altLang="ko-KR" sz="1400" dirty="0"/>
+                        <a:t>, </a:t>
+                      </a:r>
+                      <a:r>
+                        <a:rPr lang="ko-KR" altLang="en-US" sz="1400" dirty="0" err="1"/>
+                        <a:t>행운동</a:t>
+                      </a:r>
+                      <a:r>
+                        <a:rPr lang="en-US" altLang="ko-KR" sz="1400" dirty="0"/>
+                        <a:t>, </a:t>
+                      </a:r>
+                      <a:r>
+                        <a:rPr lang="ko-KR" altLang="en-US" sz="1400" dirty="0" err="1"/>
+                        <a:t>서원동</a:t>
+                      </a:r>
+                      <a:br>
+                        <a:rPr lang="en-US" altLang="ko-KR" sz="1400" dirty="0"/>
+                      </a:br>
+                      <a:r>
+                        <a:rPr lang="en-US" altLang="ko-KR" sz="1400" dirty="0"/>
+                        <a:t>(1</a:t>
+                      </a:r>
+                      <a:r>
+                        <a:rPr lang="ko-KR" altLang="en-US" sz="1400" dirty="0"/>
+                        <a:t>인 가구수와 노인인구가 많은 지역</a:t>
+                      </a:r>
+                      <a:r>
+                        <a:rPr lang="en-US" altLang="ko-KR" sz="1400" dirty="0"/>
+                        <a:t>)</a:t>
+                      </a:r>
+                      <a:endParaRPr lang="ko-KR" altLang="en-US" dirty="0"/>
+                    </a:p>
+                  </a:txBody>
+                  <a:tcPr/>
+                </a:tc>
+                <a:extLst>
+                  <a:ext uri="{0D108BD9-81ED-4DB2-BD59-A6C34878D82A}">
+                    <a16:rowId xmlns:a16="http://schemas.microsoft.com/office/drawing/2014/main" val="829338328"/>
+                  </a:ext>
+                </a:extLst>
+              </a:tr>
+              <a:tr h="370840">
+                <a:tc>
+                  <a:txBody>
+                    <a:bodyPr/>
+                    <a:lstStyle/>
+                    <a:p>
+                      <a:pPr latinLnBrk="1"/>
+                      <a:r>
+                        <a:rPr lang="en-US" altLang="ko-KR" dirty="0"/>
+                        <a:t>IoT/AI</a:t>
+                      </a:r>
+                      <a:r>
+                        <a:rPr lang="ko-KR" altLang="en-US" dirty="0"/>
+                        <a:t>기반 노인 </a:t>
+                      </a:r>
+                      <a:r>
+                        <a:rPr lang="en-US" altLang="ko-KR" dirty="0"/>
+                        <a:t>Care</a:t>
+                      </a:r>
+                      <a:endParaRPr lang="ko-KR" altLang="en-US" dirty="0"/>
+                    </a:p>
+                  </a:txBody>
+                  <a:tcPr/>
+                </a:tc>
+                <a:tc>
+                  <a:txBody>
+                    <a:bodyPr/>
+                    <a:lstStyle/>
+                    <a:p>
+                      <a:pPr marL="0" marR="0" lvl="0" indent="0" algn="l" defTabSz="914400" rtl="0" eaLnBrk="1" fontAlgn="auto" latinLnBrk="1" hangingPunct="1">
+                        <a:lnSpc>
+                          <a:spcPct val="100000"/>
+                        </a:lnSpc>
+                        <a:spcBef>
+                          <a:spcPts val="0"/>
+                        </a:spcBef>
+                        <a:spcAft>
+                          <a:spcPts val="0"/>
+                        </a:spcAft>
+                        <a:buClr>
+                          <a:srgbClr val="000000"/>
+                        </a:buClr>
+                        <a:buSzTx/>
+                        <a:buFont typeface="Arial"/>
+                        <a:buNone/>
+                        <a:tabLst/>
+                        <a:defRPr/>
+                      </a:pPr>
+                      <a:r>
+                        <a:rPr lang="ko-KR" altLang="en-US" sz="1400" dirty="0" err="1"/>
+                        <a:t>은천동</a:t>
+                      </a:r>
+                      <a:r>
+                        <a:rPr lang="en-US" altLang="ko-KR" sz="1400" dirty="0"/>
+                        <a:t>, </a:t>
+                      </a:r>
+                      <a:r>
+                        <a:rPr lang="ko-KR" altLang="en-US" sz="1400" dirty="0" err="1"/>
+                        <a:t>미성동</a:t>
+                      </a:r>
+                      <a:r>
+                        <a:rPr lang="en-US" altLang="ko-KR" sz="1400" dirty="0"/>
+                        <a:t>, </a:t>
+                      </a:r>
+                      <a:r>
+                        <a:rPr lang="ko-KR" altLang="en-US" sz="1400" dirty="0" err="1"/>
+                        <a:t>난곡동</a:t>
+                      </a:r>
+                      <a:r>
+                        <a:rPr lang="en-US" altLang="ko-KR" sz="1400" dirty="0"/>
+                        <a:t>, </a:t>
+                      </a:r>
+                      <a:r>
+                        <a:rPr lang="ko-KR" altLang="en-US" sz="1400" dirty="0"/>
+                        <a:t>삼성동</a:t>
+                      </a:r>
+                      <a:r>
+                        <a:rPr lang="en-US" altLang="ko-KR" sz="1400" dirty="0"/>
+                        <a:t>, </a:t>
+                      </a:r>
+                      <a:r>
+                        <a:rPr lang="ko-KR" altLang="en-US" sz="1400" dirty="0"/>
+                        <a:t>남현동</a:t>
+                      </a:r>
+                      <a:r>
+                        <a:rPr lang="en-US" altLang="ko-KR" sz="1400" dirty="0"/>
+                        <a:t>, </a:t>
+                      </a:r>
+                      <a:r>
+                        <a:rPr lang="ko-KR" altLang="en-US" sz="1400" dirty="0" err="1"/>
+                        <a:t>성현동</a:t>
+                      </a:r>
+                      <a:r>
+                        <a:rPr lang="en-US" altLang="ko-KR" sz="1400" dirty="0"/>
+                        <a:t>, </a:t>
+                      </a:r>
+                      <a:r>
+                        <a:rPr lang="ko-KR" altLang="en-US" sz="1400" dirty="0" err="1"/>
+                        <a:t>난항동</a:t>
+                      </a:r>
+                      <a:r>
+                        <a:rPr lang="en-US" altLang="ko-KR" sz="1400" dirty="0"/>
+                        <a:t>, </a:t>
+                      </a:r>
+                      <a:r>
+                        <a:rPr lang="ko-KR" altLang="en-US" sz="1400" dirty="0" err="1"/>
+                        <a:t>청림동</a:t>
+                      </a:r>
+                      <a:endParaRPr lang="en-US" altLang="ko-KR" sz="1400" dirty="0"/>
+                    </a:p>
+                    <a:p>
+                      <a:pPr marL="0" marR="0" lvl="0" indent="0" algn="l" defTabSz="914400" rtl="0" eaLnBrk="1" fontAlgn="auto" latinLnBrk="1" hangingPunct="1">
+                        <a:lnSpc>
+                          <a:spcPct val="100000"/>
+                        </a:lnSpc>
+                        <a:spcBef>
+                          <a:spcPts val="0"/>
+                        </a:spcBef>
+                        <a:spcAft>
+                          <a:spcPts val="0"/>
+                        </a:spcAft>
+                        <a:buClr>
+                          <a:srgbClr val="000000"/>
+                        </a:buClr>
+                        <a:buSzTx/>
+                        <a:buFont typeface="Arial"/>
+                        <a:buNone/>
+                        <a:tabLst/>
+                        <a:defRPr/>
+                      </a:pPr>
+                      <a:r>
+                        <a:rPr lang="en-US" altLang="ko-KR" sz="1400" dirty="0"/>
+                        <a:t>(1</a:t>
+                      </a:r>
+                      <a:r>
+                        <a:rPr lang="ko-KR" altLang="en-US" sz="1400" dirty="0"/>
+                        <a:t>인 가구수는 작고</a:t>
+                      </a:r>
+                      <a:r>
+                        <a:rPr lang="en-US" altLang="ko-KR" sz="1400" dirty="0"/>
+                        <a:t>, </a:t>
+                      </a:r>
+                      <a:r>
+                        <a:rPr lang="ko-KR" altLang="en-US" sz="1400" dirty="0"/>
+                        <a:t>노인인구가 많은 지역</a:t>
+                      </a:r>
+                      <a:r>
+                        <a:rPr lang="en-US" altLang="ko-KR" sz="1400" dirty="0"/>
+                        <a:t>)</a:t>
+                      </a:r>
+                    </a:p>
+                  </a:txBody>
+                  <a:tcPr/>
+                </a:tc>
+                <a:extLst>
+                  <a:ext uri="{0D108BD9-81ED-4DB2-BD59-A6C34878D82A}">
+                    <a16:rowId xmlns:a16="http://schemas.microsoft.com/office/drawing/2014/main" val="498436141"/>
+                  </a:ext>
+                </a:extLst>
+              </a:tr>
+            </a:tbl>
+          </a:graphicData>
+        </a:graphic>
+      </p:graphicFrame>
+      <p:pic>
+        <p:nvPicPr>
+          <p:cNvPr id="6" name="그림 5">
+            <a:extLst>
+              <a:ext uri="{FF2B5EF4-FFF2-40B4-BE49-F238E27FC236}">
+                <a16:creationId xmlns:a16="http://schemas.microsoft.com/office/drawing/2014/main" id="{FAA2DF76-2FB8-7FD3-72AD-F719236AA70A}"/>
+              </a:ext>
+            </a:extLst>
+          </p:cNvPr>
+          <p:cNvPicPr>
+            <a:picLocks noChangeAspect="1"/>
+          </p:cNvPicPr>
+          <p:nvPr/>
+        </p:nvPicPr>
+        <p:blipFill>
+          <a:blip r:embed="rId3"/>
+          <a:stretch>
+            <a:fillRect/>
+          </a:stretch>
+        </p:blipFill>
+        <p:spPr>
+          <a:xfrm>
+            <a:off x="0" y="3331675"/>
+            <a:ext cx="12192000" cy="3410224"/>
+          </a:xfrm>
+          <a:prstGeom prst="rect">
+            <a:avLst/>
+          </a:prstGeom>
+        </p:spPr>
+      </p:pic>
+      <p:sp>
+        <p:nvSpPr>
+          <p:cNvPr id="7" name="타원 6">
+            <a:extLst>
+              <a:ext uri="{FF2B5EF4-FFF2-40B4-BE49-F238E27FC236}">
+                <a16:creationId xmlns:a16="http://schemas.microsoft.com/office/drawing/2014/main" id="{E17B6702-FA7A-8F95-C25F-473DB115BC13}"/>
+              </a:ext>
+            </a:extLst>
+          </p:cNvPr>
+          <p:cNvSpPr/>
+          <p:nvPr/>
+        </p:nvSpPr>
+        <p:spPr>
+          <a:xfrm>
+            <a:off x="1004935" y="3885632"/>
+            <a:ext cx="2788467" cy="1193362"/>
+          </a:xfrm>
+          <a:prstGeom prst="ellipse">
+            <a:avLst/>
+          </a:prstGeom>
+          <a:noFill/>
+          <a:ln>
+            <a:solidFill>
+              <a:srgbClr val="FF0000"/>
+            </a:solidFill>
+            <a:prstDash val="dash"/>
+          </a:ln>
+        </p:spPr>
+        <p:style>
+          <a:lnRef idx="2">
+            <a:schemeClr val="accent1">
+              <a:shade val="15000"/>
+            </a:schemeClr>
+          </a:lnRef>
+          <a:fillRef idx="1">
+            <a:schemeClr val="accent1"/>
+          </a:fillRef>
+          <a:effectRef idx="0">
+            <a:schemeClr val="accent1"/>
+          </a:effectRef>
+          <a:fontRef idx="minor">
+            <a:schemeClr val="lt1"/>
+          </a:fontRef>
+        </p:style>
+        <p:txBody>
+          <a:bodyPr rtlCol="0" anchor="ctr"/>
+          <a:lstStyle/>
+          <a:p>
+            <a:pPr algn="ctr"/>
+            <a:endParaRPr lang="ko-KR" altLang="en-US"/>
+          </a:p>
+        </p:txBody>
+      </p:sp>
+      <p:sp>
+        <p:nvSpPr>
+          <p:cNvPr id="10" name="타원 9">
+            <a:extLst>
+              <a:ext uri="{FF2B5EF4-FFF2-40B4-BE49-F238E27FC236}">
+                <a16:creationId xmlns:a16="http://schemas.microsoft.com/office/drawing/2014/main" id="{FC93777F-1A92-88CC-AA43-2EBF1CEEC335}"/>
+              </a:ext>
+            </a:extLst>
+          </p:cNvPr>
+          <p:cNvSpPr/>
+          <p:nvPr/>
+        </p:nvSpPr>
+        <p:spPr>
+          <a:xfrm>
+            <a:off x="5468293" y="3885632"/>
+            <a:ext cx="5814558" cy="1193362"/>
+          </a:xfrm>
+          <a:prstGeom prst="ellipse">
+            <a:avLst/>
+          </a:prstGeom>
+          <a:noFill/>
+          <a:ln>
+            <a:solidFill>
+              <a:schemeClr val="accent1"/>
+            </a:solidFill>
+            <a:prstDash val="dash"/>
+          </a:ln>
+        </p:spPr>
+        <p:style>
+          <a:lnRef idx="2">
+            <a:schemeClr val="accent1">
+              <a:shade val="15000"/>
+            </a:schemeClr>
+          </a:lnRef>
+          <a:fillRef idx="1">
+            <a:schemeClr val="accent1"/>
+          </a:fillRef>
+          <a:effectRef idx="0">
+            <a:schemeClr val="accent1"/>
+          </a:effectRef>
+          <a:fontRef idx="minor">
+            <a:schemeClr val="lt1"/>
+          </a:fontRef>
+        </p:style>
+        <p:txBody>
+          <a:bodyPr rtlCol="0" anchor="ctr"/>
+          <a:lstStyle/>
+          <a:p>
+            <a:pPr algn="ctr"/>
+            <a:endParaRPr lang="ko-KR" altLang="en-US"/>
+          </a:p>
+        </p:txBody>
+      </p:sp>
+    </p:spTree>
+    <p:extLst>
+      <p:ext uri="{BB962C8B-B14F-4D97-AF65-F5344CB8AC3E}">
+        <p14:creationId xmlns:p14="http://schemas.microsoft.com/office/powerpoint/2010/main" val="3147465948"/>
+      </p:ext>
+    </p:extLst>
   </p:cSld>
   <p:clrMapOvr>
     <a:masterClrMapping/>
